--- a/plots/Schematic.pptx
+++ b/plots/Schematic.pptx
@@ -3362,14 +3362,14 @@
           <p:nvPr>
             <p:extLst>
               <p:ext uri="{D42A27DB-BD31-4B8C-83A1-F6EECF244321}">
-                <p14:modId xmlns:p14="http://schemas.microsoft.com/office/powerpoint/2010/main" val="2445775257"/>
+                <p14:modId xmlns:p14="http://schemas.microsoft.com/office/powerpoint/2010/main" val="1835471919"/>
               </p:ext>
             </p:extLst>
           </p:nvPr>
         </p:nvGraphicFramePr>
         <p:xfrm>
           <a:off x="0" y="0"/>
-          <a:ext cx="12192000" cy="6883400"/>
+          <a:ext cx="12192000" cy="6858000"/>
         </p:xfrm>
         <a:graphic>
           <a:graphicData uri="http://schemas.openxmlformats.org/drawingml/2006/table">
@@ -3393,7 +3393,7 @@
                   </a:extLst>
                 </a:gridCol>
               </a:tblGrid>
-              <a:tr h="1701800">
+              <a:tr h="1695520">
                 <a:tc>
                   <a:txBody>
                     <a:bodyPr/>
@@ -3483,7 +3483,7 @@
                   </a:ext>
                 </a:extLst>
               </a:tr>
-              <a:tr h="1854200">
+              <a:tr h="1847358">
                 <a:tc>
                   <a:txBody>
                     <a:bodyPr/>
@@ -3573,7 +3573,7 @@
                   </a:ext>
                 </a:extLst>
               </a:tr>
-              <a:tr h="3327400">
+              <a:tr h="3315122">
                 <a:tc>
                   <a:txBody>
                     <a:bodyPr/>
